--- a/PPT模板/worship.pptx
+++ b/PPT模板/worship.pptx
@@ -275,7 +275,7 @@
             </a:pPr>
             <a:fld id="{C5F1BE8E-D059-4C33-BD06-D860220E4118}" type="datetimeFigureOut">
               <a:rPr lang="ja-JP" altLang="en-US"/>
-              <a:t>2022/9/19</a:t>
+              <a:t>2022/11/1</a:t>
             </a:fld>
             <a:endParaRPr lang="en-US" altLang="ja-JP"/>
           </a:p>
@@ -476,7 +476,7 @@
             </a:pPr>
             <a:fld id="{0AB0CB7E-2DCC-4E2A-A36A-77D4EE5194F1}" type="datetimeFigureOut">
               <a:rPr lang="zh-CN" altLang="en-US"/>
-              <a:t>2022/9/19</a:t>
+              <a:t>2022/11/1</a:t>
             </a:fld>
             <a:endParaRPr lang="zh-CN" altLang="en-US"/>
           </a:p>
@@ -4598,7 +4598,7 @@
         <p:spPr>
           <a:xfrm>
             <a:off x="247650" y="888682"/>
-            <a:ext cx="11779250" cy="738664"/>
+            <a:ext cx="11779250" cy="5698098"/>
           </a:xfrm>
           <a:prstGeom prst="rect">
             <a:avLst/>
@@ -4606,7 +4606,7 @@
         </p:spPr>
         <p:txBody>
           <a:bodyPr>
-            <a:spAutoFit/>
+            <a:noAutofit/>
           </a:bodyPr>
           <a:lstStyle>
             <a:lvl1pPr marL="0" indent="0" eaLnBrk="1" fontAlgn="t" hangingPunct="1">
